--- a/doc_etc/2017103955_권은령_모바일프로그래밍_최종발표.pptx
+++ b/doc_etc/2017103955_권은령_모바일프로그래밍_최종발표.pptx
@@ -5,7 +5,7 @@
     <p:sldMasterId id="2147483660" r:id="rId1"/>
   </p:sldMasterIdLst>
   <p:notesMasterIdLst>
-    <p:notesMasterId r:id="rId14"/>
+    <p:notesMasterId r:id="rId15"/>
   </p:notesMasterIdLst>
   <p:sldIdLst>
     <p:sldId id="258" r:id="rId2"/>
@@ -17,9 +17,10 @@
     <p:sldId id="268" r:id="rId8"/>
     <p:sldId id="269" r:id="rId9"/>
     <p:sldId id="270" r:id="rId10"/>
-    <p:sldId id="272" r:id="rId11"/>
-    <p:sldId id="271" r:id="rId12"/>
+    <p:sldId id="271" r:id="rId11"/>
+    <p:sldId id="272" r:id="rId12"/>
     <p:sldId id="273" r:id="rId13"/>
+    <p:sldId id="276" r:id="rId14"/>
   </p:sldIdLst>
   <p:sldSz cx="12192000" cy="6858000"/>
   <p:notesSz cx="6858000" cy="9144000"/>
@@ -5245,547 +5246,6 @@
           </a:p>
         </p:txBody>
       </p:sp>
-      <p:sp>
-        <p:nvSpPr>
-          <p:cNvPr id="69" name="직사각형 68">
-            <a:extLst>
-              <a:ext uri="{FF2B5EF4-FFF2-40B4-BE49-F238E27FC236}">
-                <a16:creationId xmlns:a16="http://schemas.microsoft.com/office/drawing/2014/main" id="{803CD925-FF99-4C3F-B4F7-81D1F3DC135D}"/>
-              </a:ext>
-            </a:extLst>
-          </p:cNvPr>
-          <p:cNvSpPr/>
-          <p:nvPr/>
-        </p:nvSpPr>
-        <p:spPr>
-          <a:xfrm>
-            <a:off x="1025962" y="238921"/>
-            <a:ext cx="2326838" cy="721416"/>
-          </a:xfrm>
-          <a:prstGeom prst="rect">
-            <a:avLst/>
-          </a:prstGeom>
-          <a:noFill/>
-        </p:spPr>
-        <p:txBody>
-          <a:bodyPr wrap="square">
-            <a:spAutoFit/>
-          </a:bodyPr>
-          <a:lstStyle/>
-          <a:p>
-            <a:pPr latinLnBrk="0">
-              <a:lnSpc>
-                <a:spcPct val="150000"/>
-              </a:lnSpc>
-              <a:defRPr/>
-            </a:pPr>
-            <a:r>
-              <a:rPr lang="ko-KR" altLang="en-US" sz="3000" b="1" kern="0" dirty="0">
-                <a:solidFill>
-                  <a:prstClr val="black">
-                    <a:lumMod val="75000"/>
-                    <a:lumOff val="25000"/>
-                  </a:prstClr>
-                </a:solidFill>
-                <a:latin typeface="메이플스토리" panose="02000300000000000000" pitchFamily="2" charset="-127"/>
-                <a:ea typeface="메이플스토리" panose="02000300000000000000" pitchFamily="2" charset="-127"/>
-              </a:rPr>
-              <a:t>결론 및 데모</a:t>
-            </a:r>
-          </a:p>
-        </p:txBody>
-      </p:sp>
-      <p:pic>
-        <p:nvPicPr>
-          <p:cNvPr id="70" name="그림 69">
-            <a:extLst>
-              <a:ext uri="{FF2B5EF4-FFF2-40B4-BE49-F238E27FC236}">
-                <a16:creationId xmlns:a16="http://schemas.microsoft.com/office/drawing/2014/main" id="{7B393B1C-3B49-44B0-BF49-A718969A4F72}"/>
-              </a:ext>
-            </a:extLst>
-          </p:cNvPr>
-          <p:cNvPicPr>
-            <a:picLocks noChangeAspect="1"/>
-          </p:cNvPicPr>
-          <p:nvPr/>
-        </p:nvPicPr>
-        <p:blipFill>
-          <a:blip r:embed="rId2">
-            <a:extLst>
-              <a:ext uri="{28A0092B-C50C-407E-A947-70E740481C1C}">
-                <a14:useLocalDpi xmlns:a14="http://schemas.microsoft.com/office/drawing/2010/main" val="0"/>
-              </a:ext>
-            </a:extLst>
-          </a:blip>
-          <a:stretch>
-            <a:fillRect/>
-          </a:stretch>
-        </p:blipFill>
-        <p:spPr>
-          <a:xfrm>
-            <a:off x="613558" y="514478"/>
-            <a:ext cx="309402" cy="309402"/>
-          </a:xfrm>
-          <a:prstGeom prst="rect">
-            <a:avLst/>
-          </a:prstGeom>
-        </p:spPr>
-      </p:pic>
-      <p:sp>
-        <p:nvSpPr>
-          <p:cNvPr id="2" name="직사각형 1">
-            <a:extLst>
-              <a:ext uri="{FF2B5EF4-FFF2-40B4-BE49-F238E27FC236}">
-                <a16:creationId xmlns:a16="http://schemas.microsoft.com/office/drawing/2014/main" id="{80147571-572A-4ED7-A9E8-76E39ADD9A6B}"/>
-              </a:ext>
-            </a:extLst>
-          </p:cNvPr>
-          <p:cNvSpPr/>
-          <p:nvPr/>
-        </p:nvSpPr>
-        <p:spPr>
-          <a:xfrm>
-            <a:off x="825944" y="1109625"/>
-            <a:ext cx="1483200" cy="244800"/>
-          </a:xfrm>
-          <a:prstGeom prst="rect">
-            <a:avLst/>
-          </a:prstGeom>
-          <a:solidFill>
-            <a:srgbClr val="70B5CE">
-              <a:alpha val="50000"/>
-            </a:srgbClr>
-          </a:solidFill>
-          <a:ln>
-            <a:noFill/>
-          </a:ln>
-        </p:spPr>
-        <p:style>
-          <a:lnRef idx="2">
-            <a:schemeClr val="accent1">
-              <a:shade val="50000"/>
-            </a:schemeClr>
-          </a:lnRef>
-          <a:fillRef idx="1">
-            <a:schemeClr val="accent1"/>
-          </a:fillRef>
-          <a:effectRef idx="0">
-            <a:schemeClr val="accent1"/>
-          </a:effectRef>
-          <a:fontRef idx="minor">
-            <a:schemeClr val="lt1"/>
-          </a:fontRef>
-        </p:style>
-        <p:txBody>
-          <a:bodyPr rtlCol="0" anchor="ctr"/>
-          <a:lstStyle/>
-          <a:p>
-            <a:pPr algn="ctr"/>
-            <a:endParaRPr lang="ko-KR" altLang="en-US" dirty="0"/>
-          </a:p>
-        </p:txBody>
-      </p:sp>
-      <p:sp>
-        <p:nvSpPr>
-          <p:cNvPr id="12" name="직사각형 11">
-            <a:extLst>
-              <a:ext uri="{FF2B5EF4-FFF2-40B4-BE49-F238E27FC236}">
-                <a16:creationId xmlns:a16="http://schemas.microsoft.com/office/drawing/2014/main" id="{22CBA276-1E80-461E-8170-36915E8DA499}"/>
-              </a:ext>
-            </a:extLst>
-          </p:cNvPr>
-          <p:cNvSpPr/>
-          <p:nvPr/>
-        </p:nvSpPr>
-        <p:spPr>
-          <a:xfrm>
-            <a:off x="768260" y="852435"/>
-            <a:ext cx="1654430" cy="553678"/>
-          </a:xfrm>
-          <a:prstGeom prst="rect">
-            <a:avLst/>
-          </a:prstGeom>
-          <a:noFill/>
-        </p:spPr>
-        <p:txBody>
-          <a:bodyPr wrap="square">
-            <a:spAutoFit/>
-          </a:bodyPr>
-          <a:lstStyle/>
-          <a:p>
-            <a:pPr latinLnBrk="0">
-              <a:lnSpc>
-                <a:spcPct val="150000"/>
-              </a:lnSpc>
-              <a:defRPr/>
-            </a:pPr>
-            <a:r>
-              <a:rPr lang="en-US" altLang="ko-KR" sz="2200" kern="0" dirty="0">
-                <a:solidFill>
-                  <a:prstClr val="black">
-                    <a:lumMod val="75000"/>
-                    <a:lumOff val="25000"/>
-                  </a:prstClr>
-                </a:solidFill>
-                <a:latin typeface="메이플스토리" panose="02000300000000000000" pitchFamily="2" charset="-127"/>
-                <a:ea typeface="메이플스토리" panose="02000300000000000000" pitchFamily="2" charset="-127"/>
-              </a:rPr>
-              <a:t>#  </a:t>
-            </a:r>
-            <a:r>
-              <a:rPr lang="ko-KR" altLang="en-US" sz="2200" kern="0" dirty="0">
-                <a:solidFill>
-                  <a:prstClr val="black">
-                    <a:lumMod val="75000"/>
-                    <a:lumOff val="25000"/>
-                  </a:prstClr>
-                </a:solidFill>
-                <a:latin typeface="메이플스토리" panose="02000300000000000000" pitchFamily="2" charset="-127"/>
-                <a:ea typeface="메이플스토리" panose="02000300000000000000" pitchFamily="2" charset="-127"/>
-              </a:rPr>
-              <a:t>데모 영상</a:t>
-            </a:r>
-          </a:p>
-        </p:txBody>
-      </p:sp>
-    </p:spTree>
-    <p:extLst>
-      <p:ext uri="{BB962C8B-B14F-4D97-AF65-F5344CB8AC3E}">
-        <p14:creationId xmlns:p14="http://schemas.microsoft.com/office/powerpoint/2010/main" val="1891671653"/>
-      </p:ext>
-    </p:extLst>
-  </p:cSld>
-  <p:clrMapOvr>
-    <a:masterClrMapping/>
-  </p:clrMapOvr>
-</p:sld>
-</file>
-
-<file path=ppt/slides/slide11.xml><?xml version="1.0" encoding="utf-8"?>
-<p:sld xmlns:a="http://schemas.openxmlformats.org/drawingml/2006/main" xmlns:r="http://schemas.openxmlformats.org/officeDocument/2006/relationships" xmlns:p="http://schemas.openxmlformats.org/presentationml/2006/main">
-  <p:cSld>
-    <p:bg>
-      <p:bgPr>
-        <a:solidFill>
-          <a:srgbClr val="E7E7E7"/>
-        </a:solidFill>
-        <a:effectLst/>
-      </p:bgPr>
-    </p:bg>
-    <p:spTree>
-      <p:nvGrpSpPr>
-        <p:cNvPr id="1" name=""/>
-        <p:cNvGrpSpPr/>
-        <p:nvPr/>
-      </p:nvGrpSpPr>
-      <p:grpSpPr>
-        <a:xfrm>
-          <a:off x="0" y="0"/>
-          <a:ext cx="0" cy="0"/>
-          <a:chOff x="0" y="0"/>
-          <a:chExt cx="0" cy="0"/>
-        </a:xfrm>
-      </p:grpSpPr>
-      <p:sp>
-        <p:nvSpPr>
-          <p:cNvPr id="68" name="자유형 9">
-            <a:extLst>
-              <a:ext uri="{FF2B5EF4-FFF2-40B4-BE49-F238E27FC236}">
-                <a16:creationId xmlns:a16="http://schemas.microsoft.com/office/drawing/2014/main" id="{9343BBA0-6259-404F-AC50-49DAE0FB3A98}"/>
-              </a:ext>
-            </a:extLst>
-          </p:cNvPr>
-          <p:cNvSpPr/>
-          <p:nvPr/>
-        </p:nvSpPr>
-        <p:spPr>
-          <a:xfrm>
-            <a:off x="-348792" y="3137859"/>
-            <a:ext cx="4746322" cy="3987448"/>
-          </a:xfrm>
-          <a:custGeom>
-            <a:avLst/>
-            <a:gdLst>
-              <a:gd name="connsiteX0" fmla="*/ 1250088 w 4524277"/>
-              <a:gd name="connsiteY0" fmla="*/ 881 h 3559065"/>
-              <a:gd name="connsiteX1" fmla="*/ 3497802 w 4524277"/>
-              <a:gd name="connsiteY1" fmla="*/ 3559065 h 3559065"/>
-              <a:gd name="connsiteX2" fmla="*/ 482600 w 4524277"/>
-              <a:gd name="connsiteY2" fmla="*/ 3559065 h 3559065"/>
-              <a:gd name="connsiteX3" fmla="*/ 0 w 4524277"/>
-              <a:gd name="connsiteY3" fmla="*/ 3063765 h 3559065"/>
-              <a:gd name="connsiteX4" fmla="*/ 0 w 4524277"/>
-              <a:gd name="connsiteY4" fmla="*/ 953469 h 3559065"/>
-              <a:gd name="connsiteX5" fmla="*/ 1250088 w 4524277"/>
-              <a:gd name="connsiteY5" fmla="*/ 881 h 3559065"/>
-            </a:gdLst>
-            <a:ahLst/>
-            <a:cxnLst>
-              <a:cxn ang="0">
-                <a:pos x="connsiteX0" y="connsiteY0"/>
-              </a:cxn>
-              <a:cxn ang="0">
-                <a:pos x="connsiteX1" y="connsiteY1"/>
-              </a:cxn>
-              <a:cxn ang="0">
-                <a:pos x="connsiteX2" y="connsiteY2"/>
-              </a:cxn>
-              <a:cxn ang="0">
-                <a:pos x="connsiteX3" y="connsiteY3"/>
-              </a:cxn>
-              <a:cxn ang="0">
-                <a:pos x="connsiteX4" y="connsiteY4"/>
-              </a:cxn>
-              <a:cxn ang="0">
-                <a:pos x="connsiteX5" y="connsiteY5"/>
-              </a:cxn>
-            </a:cxnLst>
-            <a:rect l="l" t="t" r="r" b="b"/>
-            <a:pathLst>
-              <a:path w="4524277" h="3559065">
-                <a:moveTo>
-                  <a:pt x="1250088" y="881"/>
-                </a:moveTo>
-                <a:cubicBezTo>
-                  <a:pt x="3144850" y="60495"/>
-                  <a:pt x="6105572" y="3127458"/>
-                  <a:pt x="3497802" y="3559065"/>
-                </a:cubicBezTo>
-                <a:lnTo>
-                  <a:pt x="482600" y="3559065"/>
-                </a:lnTo>
-                <a:lnTo>
-                  <a:pt x="0" y="3063765"/>
-                </a:lnTo>
-                <a:lnTo>
-                  <a:pt x="0" y="953469"/>
-                </a:lnTo>
-                <a:cubicBezTo>
-                  <a:pt x="189922" y="246203"/>
-                  <a:pt x="670059" y="-17369"/>
-                  <a:pt x="1250088" y="881"/>
-                </a:cubicBezTo>
-                <a:close/>
-              </a:path>
-            </a:pathLst>
-          </a:custGeom>
-          <a:solidFill>
-            <a:srgbClr val="A6CFE1"/>
-          </a:solidFill>
-          <a:ln>
-            <a:noFill/>
-          </a:ln>
-        </p:spPr>
-        <p:style>
-          <a:lnRef idx="2">
-            <a:schemeClr val="accent1">
-              <a:shade val="50000"/>
-            </a:schemeClr>
-          </a:lnRef>
-          <a:fillRef idx="1">
-            <a:schemeClr val="accent1"/>
-          </a:fillRef>
-          <a:effectRef idx="0">
-            <a:schemeClr val="accent1"/>
-          </a:effectRef>
-          <a:fontRef idx="minor">
-            <a:schemeClr val="lt1"/>
-          </a:fontRef>
-        </p:style>
-        <p:txBody>
-          <a:bodyPr rtlCol="0" anchor="ctr"/>
-          <a:lstStyle/>
-          <a:p>
-            <a:pPr algn="ctr"/>
-            <a:endParaRPr lang="ko-KR" altLang="en-US" dirty="0">
-              <a:solidFill>
-                <a:prstClr val="white"/>
-              </a:solidFill>
-              <a:latin typeface="메이플스토리" panose="02000300000000000000" pitchFamily="2" charset="-127"/>
-              <a:ea typeface="메이플스토리" panose="02000300000000000000" pitchFamily="2" charset="-127"/>
-            </a:endParaRPr>
-          </a:p>
-        </p:txBody>
-      </p:sp>
-      <p:sp>
-        <p:nvSpPr>
-          <p:cNvPr id="7" name="직각 삼각형 6"/>
-          <p:cNvSpPr/>
-          <p:nvPr/>
-        </p:nvSpPr>
-        <p:spPr>
-          <a:xfrm flipH="1" flipV="1">
-            <a:off x="5825396" y="0"/>
-            <a:ext cx="6366603" cy="3589908"/>
-          </a:xfrm>
-          <a:custGeom>
-            <a:avLst/>
-            <a:gdLst>
-              <a:gd name="connsiteX0" fmla="*/ 0 w 6083300"/>
-              <a:gd name="connsiteY0" fmla="*/ 3454400 h 3454400"/>
-              <a:gd name="connsiteX1" fmla="*/ 0 w 6083300"/>
-              <a:gd name="connsiteY1" fmla="*/ 0 h 3454400"/>
-              <a:gd name="connsiteX2" fmla="*/ 6083300 w 6083300"/>
-              <a:gd name="connsiteY2" fmla="*/ 3454400 h 3454400"/>
-              <a:gd name="connsiteX3" fmla="*/ 0 w 6083300"/>
-              <a:gd name="connsiteY3" fmla="*/ 3454400 h 3454400"/>
-              <a:gd name="connsiteX0" fmla="*/ 0 w 6083300"/>
-              <a:gd name="connsiteY0" fmla="*/ 3454400 h 3454400"/>
-              <a:gd name="connsiteX1" fmla="*/ 0 w 6083300"/>
-              <a:gd name="connsiteY1" fmla="*/ 0 h 3454400"/>
-              <a:gd name="connsiteX2" fmla="*/ 6083300 w 6083300"/>
-              <a:gd name="connsiteY2" fmla="*/ 3454400 h 3454400"/>
-              <a:gd name="connsiteX3" fmla="*/ 0 w 6083300"/>
-              <a:gd name="connsiteY3" fmla="*/ 3454400 h 3454400"/>
-              <a:gd name="connsiteX0" fmla="*/ 0 w 6083300"/>
-              <a:gd name="connsiteY0" fmla="*/ 3839957 h 3839957"/>
-              <a:gd name="connsiteX1" fmla="*/ 0 w 6083300"/>
-              <a:gd name="connsiteY1" fmla="*/ 385557 h 3839957"/>
-              <a:gd name="connsiteX2" fmla="*/ 6083300 w 6083300"/>
-              <a:gd name="connsiteY2" fmla="*/ 3839957 h 3839957"/>
-              <a:gd name="connsiteX3" fmla="*/ 0 w 6083300"/>
-              <a:gd name="connsiteY3" fmla="*/ 3839957 h 3839957"/>
-              <a:gd name="connsiteX0" fmla="*/ 0 w 6366603"/>
-              <a:gd name="connsiteY0" fmla="*/ 3589908 h 3589908"/>
-              <a:gd name="connsiteX1" fmla="*/ 0 w 6366603"/>
-              <a:gd name="connsiteY1" fmla="*/ 135508 h 3589908"/>
-              <a:gd name="connsiteX2" fmla="*/ 6083300 w 6366603"/>
-              <a:gd name="connsiteY2" fmla="*/ 3589908 h 3589908"/>
-              <a:gd name="connsiteX3" fmla="*/ 0 w 6366603"/>
-              <a:gd name="connsiteY3" fmla="*/ 3589908 h 3589908"/>
-            </a:gdLst>
-            <a:ahLst/>
-            <a:cxnLst>
-              <a:cxn ang="0">
-                <a:pos x="connsiteX0" y="connsiteY0"/>
-              </a:cxn>
-              <a:cxn ang="0">
-                <a:pos x="connsiteX1" y="connsiteY1"/>
-              </a:cxn>
-              <a:cxn ang="0">
-                <a:pos x="connsiteX2" y="connsiteY2"/>
-              </a:cxn>
-              <a:cxn ang="0">
-                <a:pos x="connsiteX3" y="connsiteY3"/>
-              </a:cxn>
-            </a:cxnLst>
-            <a:rect l="l" t="t" r="r" b="b"/>
-            <a:pathLst>
-              <a:path w="6366603" h="3589908">
-                <a:moveTo>
-                  <a:pt x="0" y="3589908"/>
-                </a:moveTo>
-                <a:lnTo>
-                  <a:pt x="0" y="135508"/>
-                </a:lnTo>
-                <a:cubicBezTo>
-                  <a:pt x="2751667" y="-592625"/>
-                  <a:pt x="7586133" y="1765341"/>
-                  <a:pt x="6083300" y="3589908"/>
-                </a:cubicBezTo>
-                <a:lnTo>
-                  <a:pt x="0" y="3589908"/>
-                </a:lnTo>
-                <a:close/>
-              </a:path>
-            </a:pathLst>
-          </a:custGeom>
-          <a:solidFill>
-            <a:srgbClr val="FFCABA"/>
-          </a:solidFill>
-          <a:ln>
-            <a:noFill/>
-          </a:ln>
-        </p:spPr>
-        <p:style>
-          <a:lnRef idx="2">
-            <a:schemeClr val="accent1">
-              <a:shade val="50000"/>
-            </a:schemeClr>
-          </a:lnRef>
-          <a:fillRef idx="1">
-            <a:schemeClr val="accent1"/>
-          </a:fillRef>
-          <a:effectRef idx="0">
-            <a:schemeClr val="accent1"/>
-          </a:effectRef>
-          <a:fontRef idx="minor">
-            <a:schemeClr val="lt1"/>
-          </a:fontRef>
-        </p:style>
-        <p:txBody>
-          <a:bodyPr rtlCol="0" anchor="ctr"/>
-          <a:lstStyle/>
-          <a:p>
-            <a:pPr algn="ctr"/>
-            <a:endParaRPr lang="ko-KR" altLang="en-US">
-              <a:solidFill>
-                <a:prstClr val="white"/>
-              </a:solidFill>
-              <a:latin typeface="메이플스토리" panose="02000300000000000000" pitchFamily="2" charset="-127"/>
-              <a:ea typeface="메이플스토리" panose="02000300000000000000" pitchFamily="2" charset="-127"/>
-            </a:endParaRPr>
-          </a:p>
-        </p:txBody>
-      </p:sp>
-      <p:sp>
-        <p:nvSpPr>
-          <p:cNvPr id="8" name="모서리가 둥근 직사각형 7"/>
-          <p:cNvSpPr/>
-          <p:nvPr/>
-        </p:nvSpPr>
-        <p:spPr>
-          <a:xfrm>
-            <a:off x="291012" y="217170"/>
-            <a:ext cx="11609976" cy="6423660"/>
-          </a:xfrm>
-          <a:prstGeom prst="roundRect">
-            <a:avLst>
-              <a:gd name="adj" fmla="val 3012"/>
-            </a:avLst>
-          </a:prstGeom>
-          <a:solidFill>
-            <a:schemeClr val="bg1"/>
-          </a:solidFill>
-          <a:ln>
-            <a:solidFill>
-              <a:schemeClr val="bg1">
-                <a:lumMod val="85000"/>
-              </a:schemeClr>
-            </a:solidFill>
-          </a:ln>
-        </p:spPr>
-        <p:style>
-          <a:lnRef idx="2">
-            <a:schemeClr val="accent1">
-              <a:shade val="50000"/>
-            </a:schemeClr>
-          </a:lnRef>
-          <a:fillRef idx="1">
-            <a:schemeClr val="accent1"/>
-          </a:fillRef>
-          <a:effectRef idx="0">
-            <a:schemeClr val="accent1"/>
-          </a:effectRef>
-          <a:fontRef idx="minor">
-            <a:schemeClr val="lt1"/>
-          </a:fontRef>
-        </p:style>
-        <p:txBody>
-          <a:bodyPr rtlCol="0" anchor="ctr"/>
-          <a:lstStyle/>
-          <a:p>
-            <a:pPr algn="ctr"/>
-            <a:endParaRPr lang="ko-KR" altLang="en-US" dirty="0">
-              <a:solidFill>
-                <a:prstClr val="white"/>
-              </a:solidFill>
-              <a:latin typeface="메이플스토리" panose="02000300000000000000" pitchFamily="2" charset="-127"/>
-              <a:ea typeface="메이플스토리" panose="02000300000000000000" pitchFamily="2" charset="-127"/>
-            </a:endParaRPr>
-          </a:p>
-        </p:txBody>
-      </p:sp>
       <p:grpSp>
         <p:nvGrpSpPr>
           <p:cNvPr id="3" name="그룹 2">
@@ -5800,7 +5260,7 @@
         </p:nvGrpSpPr>
         <p:grpSpPr>
           <a:xfrm>
-            <a:off x="547735" y="358114"/>
+            <a:off x="922960" y="823880"/>
             <a:ext cx="1654430" cy="553678"/>
             <a:chOff x="768260" y="852435"/>
             <a:chExt cx="1654430" cy="553678"/>
@@ -5938,7 +5398,7 @@
         </p:nvSpPr>
         <p:spPr>
           <a:xfrm>
-            <a:off x="1457796" y="1043309"/>
+            <a:off x="1833021" y="1509075"/>
             <a:ext cx="8735197" cy="1300805"/>
           </a:xfrm>
           <a:prstGeom prst="rect">
@@ -6105,7 +5565,7 @@
         </p:nvSpPr>
         <p:spPr>
           <a:xfrm>
-            <a:off x="1457795" y="3691537"/>
+            <a:off x="1833020" y="3946075"/>
             <a:ext cx="8735197" cy="885307"/>
           </a:xfrm>
           <a:prstGeom prst="rect">
@@ -6252,7 +5712,7 @@
         </p:nvGrpSpPr>
         <p:grpSpPr>
           <a:xfrm>
-            <a:off x="547735" y="3018285"/>
+            <a:off x="922960" y="3272823"/>
             <a:ext cx="1654430" cy="553678"/>
             <a:chOff x="768260" y="852435"/>
             <a:chExt cx="1654430" cy="553678"/>
@@ -6376,6 +5836,92 @@
           </p:txBody>
         </p:sp>
       </p:grpSp>
+      <p:sp>
+        <p:nvSpPr>
+          <p:cNvPr id="20" name="직사각형 19">
+            <a:extLst>
+              <a:ext uri="{FF2B5EF4-FFF2-40B4-BE49-F238E27FC236}">
+                <a16:creationId xmlns:a16="http://schemas.microsoft.com/office/drawing/2014/main" id="{CED8EA01-D05C-4606-A28C-E3D4EA4C802B}"/>
+              </a:ext>
+            </a:extLst>
+          </p:cNvPr>
+          <p:cNvSpPr/>
+          <p:nvPr/>
+        </p:nvSpPr>
+        <p:spPr>
+          <a:xfrm>
+            <a:off x="1025962" y="238921"/>
+            <a:ext cx="2326838" cy="721416"/>
+          </a:xfrm>
+          <a:prstGeom prst="rect">
+            <a:avLst/>
+          </a:prstGeom>
+          <a:noFill/>
+        </p:spPr>
+        <p:txBody>
+          <a:bodyPr wrap="square">
+            <a:spAutoFit/>
+          </a:bodyPr>
+          <a:lstStyle/>
+          <a:p>
+            <a:pPr latinLnBrk="0">
+              <a:lnSpc>
+                <a:spcPct val="150000"/>
+              </a:lnSpc>
+              <a:defRPr/>
+            </a:pPr>
+            <a:r>
+              <a:rPr lang="ko-KR" altLang="en-US" sz="3000" b="1" kern="0" dirty="0">
+                <a:solidFill>
+                  <a:prstClr val="black">
+                    <a:lumMod val="75000"/>
+                    <a:lumOff val="25000"/>
+                  </a:prstClr>
+                </a:solidFill>
+                <a:latin typeface="메이플스토리" panose="02000300000000000000" pitchFamily="2" charset="-127"/>
+                <a:ea typeface="메이플스토리" panose="02000300000000000000" pitchFamily="2" charset="-127"/>
+              </a:rPr>
+              <a:t>결론 및 데모</a:t>
+            </a:r>
+          </a:p>
+        </p:txBody>
+      </p:sp>
+      <p:pic>
+        <p:nvPicPr>
+          <p:cNvPr id="21" name="그림 20">
+            <a:extLst>
+              <a:ext uri="{FF2B5EF4-FFF2-40B4-BE49-F238E27FC236}">
+                <a16:creationId xmlns:a16="http://schemas.microsoft.com/office/drawing/2014/main" id="{711517A7-72AF-44D2-921D-6B0D6E5A6858}"/>
+              </a:ext>
+            </a:extLst>
+          </p:cNvPr>
+          <p:cNvPicPr>
+            <a:picLocks noChangeAspect="1"/>
+          </p:cNvPicPr>
+          <p:nvPr/>
+        </p:nvPicPr>
+        <p:blipFill>
+          <a:blip r:embed="rId2">
+            <a:extLst>
+              <a:ext uri="{28A0092B-C50C-407E-A947-70E740481C1C}">
+                <a14:useLocalDpi xmlns:a14="http://schemas.microsoft.com/office/drawing/2010/main" val="0"/>
+              </a:ext>
+            </a:extLst>
+          </a:blip>
+          <a:stretch>
+            <a:fillRect/>
+          </a:stretch>
+        </p:blipFill>
+        <p:spPr>
+          <a:xfrm>
+            <a:off x="613558" y="514478"/>
+            <a:ext cx="309402" cy="309402"/>
+          </a:xfrm>
+          <a:prstGeom prst="rect">
+            <a:avLst/>
+          </a:prstGeom>
+        </p:spPr>
+      </p:pic>
     </p:spTree>
     <p:extLst>
       <p:ext uri="{BB962C8B-B14F-4D97-AF65-F5344CB8AC3E}">
@@ -6389,7 +5935,1138 @@
 </p:sld>
 </file>
 
+<file path=ppt/slides/slide11.xml><?xml version="1.0" encoding="utf-8"?>
+<p:sld xmlns:a="http://schemas.openxmlformats.org/drawingml/2006/main" xmlns:r="http://schemas.openxmlformats.org/officeDocument/2006/relationships" xmlns:p="http://schemas.openxmlformats.org/presentationml/2006/main">
+  <p:cSld>
+    <p:bg>
+      <p:bgPr>
+        <a:solidFill>
+          <a:srgbClr val="E7E7E7"/>
+        </a:solidFill>
+        <a:effectLst/>
+      </p:bgPr>
+    </p:bg>
+    <p:spTree>
+      <p:nvGrpSpPr>
+        <p:cNvPr id="1" name=""/>
+        <p:cNvGrpSpPr/>
+        <p:nvPr/>
+      </p:nvGrpSpPr>
+      <p:grpSpPr>
+        <a:xfrm>
+          <a:off x="0" y="0"/>
+          <a:ext cx="0" cy="0"/>
+          <a:chOff x="0" y="0"/>
+          <a:chExt cx="0" cy="0"/>
+        </a:xfrm>
+      </p:grpSpPr>
+      <p:sp>
+        <p:nvSpPr>
+          <p:cNvPr id="68" name="자유형 9">
+            <a:extLst>
+              <a:ext uri="{FF2B5EF4-FFF2-40B4-BE49-F238E27FC236}">
+                <a16:creationId xmlns:a16="http://schemas.microsoft.com/office/drawing/2014/main" id="{9343BBA0-6259-404F-AC50-49DAE0FB3A98}"/>
+              </a:ext>
+            </a:extLst>
+          </p:cNvPr>
+          <p:cNvSpPr/>
+          <p:nvPr/>
+        </p:nvSpPr>
+        <p:spPr>
+          <a:xfrm>
+            <a:off x="-348792" y="3137859"/>
+            <a:ext cx="4746322" cy="3987448"/>
+          </a:xfrm>
+          <a:custGeom>
+            <a:avLst/>
+            <a:gdLst>
+              <a:gd name="connsiteX0" fmla="*/ 1250088 w 4524277"/>
+              <a:gd name="connsiteY0" fmla="*/ 881 h 3559065"/>
+              <a:gd name="connsiteX1" fmla="*/ 3497802 w 4524277"/>
+              <a:gd name="connsiteY1" fmla="*/ 3559065 h 3559065"/>
+              <a:gd name="connsiteX2" fmla="*/ 482600 w 4524277"/>
+              <a:gd name="connsiteY2" fmla="*/ 3559065 h 3559065"/>
+              <a:gd name="connsiteX3" fmla="*/ 0 w 4524277"/>
+              <a:gd name="connsiteY3" fmla="*/ 3063765 h 3559065"/>
+              <a:gd name="connsiteX4" fmla="*/ 0 w 4524277"/>
+              <a:gd name="connsiteY4" fmla="*/ 953469 h 3559065"/>
+              <a:gd name="connsiteX5" fmla="*/ 1250088 w 4524277"/>
+              <a:gd name="connsiteY5" fmla="*/ 881 h 3559065"/>
+            </a:gdLst>
+            <a:ahLst/>
+            <a:cxnLst>
+              <a:cxn ang="0">
+                <a:pos x="connsiteX0" y="connsiteY0"/>
+              </a:cxn>
+              <a:cxn ang="0">
+                <a:pos x="connsiteX1" y="connsiteY1"/>
+              </a:cxn>
+              <a:cxn ang="0">
+                <a:pos x="connsiteX2" y="connsiteY2"/>
+              </a:cxn>
+              <a:cxn ang="0">
+                <a:pos x="connsiteX3" y="connsiteY3"/>
+              </a:cxn>
+              <a:cxn ang="0">
+                <a:pos x="connsiteX4" y="connsiteY4"/>
+              </a:cxn>
+              <a:cxn ang="0">
+                <a:pos x="connsiteX5" y="connsiteY5"/>
+              </a:cxn>
+            </a:cxnLst>
+            <a:rect l="l" t="t" r="r" b="b"/>
+            <a:pathLst>
+              <a:path w="4524277" h="3559065">
+                <a:moveTo>
+                  <a:pt x="1250088" y="881"/>
+                </a:moveTo>
+                <a:cubicBezTo>
+                  <a:pt x="3144850" y="60495"/>
+                  <a:pt x="6105572" y="3127458"/>
+                  <a:pt x="3497802" y="3559065"/>
+                </a:cubicBezTo>
+                <a:lnTo>
+                  <a:pt x="482600" y="3559065"/>
+                </a:lnTo>
+                <a:lnTo>
+                  <a:pt x="0" y="3063765"/>
+                </a:lnTo>
+                <a:lnTo>
+                  <a:pt x="0" y="953469"/>
+                </a:lnTo>
+                <a:cubicBezTo>
+                  <a:pt x="189922" y="246203"/>
+                  <a:pt x="670059" y="-17369"/>
+                  <a:pt x="1250088" y="881"/>
+                </a:cubicBezTo>
+                <a:close/>
+              </a:path>
+            </a:pathLst>
+          </a:custGeom>
+          <a:solidFill>
+            <a:srgbClr val="A6CFE1"/>
+          </a:solidFill>
+          <a:ln>
+            <a:noFill/>
+          </a:ln>
+        </p:spPr>
+        <p:style>
+          <a:lnRef idx="2">
+            <a:schemeClr val="accent1">
+              <a:shade val="50000"/>
+            </a:schemeClr>
+          </a:lnRef>
+          <a:fillRef idx="1">
+            <a:schemeClr val="accent1"/>
+          </a:fillRef>
+          <a:effectRef idx="0">
+            <a:schemeClr val="accent1"/>
+          </a:effectRef>
+          <a:fontRef idx="minor">
+            <a:schemeClr val="lt1"/>
+          </a:fontRef>
+        </p:style>
+        <p:txBody>
+          <a:bodyPr rtlCol="0" anchor="ctr"/>
+          <a:lstStyle/>
+          <a:p>
+            <a:pPr algn="ctr"/>
+            <a:endParaRPr lang="ko-KR" altLang="en-US" dirty="0">
+              <a:solidFill>
+                <a:prstClr val="white"/>
+              </a:solidFill>
+              <a:latin typeface="메이플스토리" panose="02000300000000000000" pitchFamily="2" charset="-127"/>
+              <a:ea typeface="메이플스토리" panose="02000300000000000000" pitchFamily="2" charset="-127"/>
+            </a:endParaRPr>
+          </a:p>
+        </p:txBody>
+      </p:sp>
+      <p:sp>
+        <p:nvSpPr>
+          <p:cNvPr id="7" name="직각 삼각형 6"/>
+          <p:cNvSpPr/>
+          <p:nvPr/>
+        </p:nvSpPr>
+        <p:spPr>
+          <a:xfrm flipH="1" flipV="1">
+            <a:off x="5825396" y="0"/>
+            <a:ext cx="6366603" cy="3589908"/>
+          </a:xfrm>
+          <a:custGeom>
+            <a:avLst/>
+            <a:gdLst>
+              <a:gd name="connsiteX0" fmla="*/ 0 w 6083300"/>
+              <a:gd name="connsiteY0" fmla="*/ 3454400 h 3454400"/>
+              <a:gd name="connsiteX1" fmla="*/ 0 w 6083300"/>
+              <a:gd name="connsiteY1" fmla="*/ 0 h 3454400"/>
+              <a:gd name="connsiteX2" fmla="*/ 6083300 w 6083300"/>
+              <a:gd name="connsiteY2" fmla="*/ 3454400 h 3454400"/>
+              <a:gd name="connsiteX3" fmla="*/ 0 w 6083300"/>
+              <a:gd name="connsiteY3" fmla="*/ 3454400 h 3454400"/>
+              <a:gd name="connsiteX0" fmla="*/ 0 w 6083300"/>
+              <a:gd name="connsiteY0" fmla="*/ 3454400 h 3454400"/>
+              <a:gd name="connsiteX1" fmla="*/ 0 w 6083300"/>
+              <a:gd name="connsiteY1" fmla="*/ 0 h 3454400"/>
+              <a:gd name="connsiteX2" fmla="*/ 6083300 w 6083300"/>
+              <a:gd name="connsiteY2" fmla="*/ 3454400 h 3454400"/>
+              <a:gd name="connsiteX3" fmla="*/ 0 w 6083300"/>
+              <a:gd name="connsiteY3" fmla="*/ 3454400 h 3454400"/>
+              <a:gd name="connsiteX0" fmla="*/ 0 w 6083300"/>
+              <a:gd name="connsiteY0" fmla="*/ 3839957 h 3839957"/>
+              <a:gd name="connsiteX1" fmla="*/ 0 w 6083300"/>
+              <a:gd name="connsiteY1" fmla="*/ 385557 h 3839957"/>
+              <a:gd name="connsiteX2" fmla="*/ 6083300 w 6083300"/>
+              <a:gd name="connsiteY2" fmla="*/ 3839957 h 3839957"/>
+              <a:gd name="connsiteX3" fmla="*/ 0 w 6083300"/>
+              <a:gd name="connsiteY3" fmla="*/ 3839957 h 3839957"/>
+              <a:gd name="connsiteX0" fmla="*/ 0 w 6366603"/>
+              <a:gd name="connsiteY0" fmla="*/ 3589908 h 3589908"/>
+              <a:gd name="connsiteX1" fmla="*/ 0 w 6366603"/>
+              <a:gd name="connsiteY1" fmla="*/ 135508 h 3589908"/>
+              <a:gd name="connsiteX2" fmla="*/ 6083300 w 6366603"/>
+              <a:gd name="connsiteY2" fmla="*/ 3589908 h 3589908"/>
+              <a:gd name="connsiteX3" fmla="*/ 0 w 6366603"/>
+              <a:gd name="connsiteY3" fmla="*/ 3589908 h 3589908"/>
+            </a:gdLst>
+            <a:ahLst/>
+            <a:cxnLst>
+              <a:cxn ang="0">
+                <a:pos x="connsiteX0" y="connsiteY0"/>
+              </a:cxn>
+              <a:cxn ang="0">
+                <a:pos x="connsiteX1" y="connsiteY1"/>
+              </a:cxn>
+              <a:cxn ang="0">
+                <a:pos x="connsiteX2" y="connsiteY2"/>
+              </a:cxn>
+              <a:cxn ang="0">
+                <a:pos x="connsiteX3" y="connsiteY3"/>
+              </a:cxn>
+            </a:cxnLst>
+            <a:rect l="l" t="t" r="r" b="b"/>
+            <a:pathLst>
+              <a:path w="6366603" h="3589908">
+                <a:moveTo>
+                  <a:pt x="0" y="3589908"/>
+                </a:moveTo>
+                <a:lnTo>
+                  <a:pt x="0" y="135508"/>
+                </a:lnTo>
+                <a:cubicBezTo>
+                  <a:pt x="2751667" y="-592625"/>
+                  <a:pt x="7586133" y="1765341"/>
+                  <a:pt x="6083300" y="3589908"/>
+                </a:cubicBezTo>
+                <a:lnTo>
+                  <a:pt x="0" y="3589908"/>
+                </a:lnTo>
+                <a:close/>
+              </a:path>
+            </a:pathLst>
+          </a:custGeom>
+          <a:solidFill>
+            <a:srgbClr val="FFCABA"/>
+          </a:solidFill>
+          <a:ln>
+            <a:noFill/>
+          </a:ln>
+        </p:spPr>
+        <p:style>
+          <a:lnRef idx="2">
+            <a:schemeClr val="accent1">
+              <a:shade val="50000"/>
+            </a:schemeClr>
+          </a:lnRef>
+          <a:fillRef idx="1">
+            <a:schemeClr val="accent1"/>
+          </a:fillRef>
+          <a:effectRef idx="0">
+            <a:schemeClr val="accent1"/>
+          </a:effectRef>
+          <a:fontRef idx="minor">
+            <a:schemeClr val="lt1"/>
+          </a:fontRef>
+        </p:style>
+        <p:txBody>
+          <a:bodyPr rtlCol="0" anchor="ctr"/>
+          <a:lstStyle/>
+          <a:p>
+            <a:pPr algn="ctr"/>
+            <a:endParaRPr lang="ko-KR" altLang="en-US">
+              <a:solidFill>
+                <a:prstClr val="white"/>
+              </a:solidFill>
+              <a:latin typeface="메이플스토리" panose="02000300000000000000" pitchFamily="2" charset="-127"/>
+              <a:ea typeface="메이플스토리" panose="02000300000000000000" pitchFamily="2" charset="-127"/>
+            </a:endParaRPr>
+          </a:p>
+        </p:txBody>
+      </p:sp>
+      <p:sp>
+        <p:nvSpPr>
+          <p:cNvPr id="8" name="모서리가 둥근 직사각형 7"/>
+          <p:cNvSpPr/>
+          <p:nvPr/>
+        </p:nvSpPr>
+        <p:spPr>
+          <a:xfrm>
+            <a:off x="291012" y="217170"/>
+            <a:ext cx="11609976" cy="6423660"/>
+          </a:xfrm>
+          <a:prstGeom prst="roundRect">
+            <a:avLst>
+              <a:gd name="adj" fmla="val 3012"/>
+            </a:avLst>
+          </a:prstGeom>
+          <a:solidFill>
+            <a:schemeClr val="bg1"/>
+          </a:solidFill>
+          <a:ln>
+            <a:solidFill>
+              <a:schemeClr val="bg1">
+                <a:lumMod val="85000"/>
+              </a:schemeClr>
+            </a:solidFill>
+          </a:ln>
+        </p:spPr>
+        <p:style>
+          <a:lnRef idx="2">
+            <a:schemeClr val="accent1">
+              <a:shade val="50000"/>
+            </a:schemeClr>
+          </a:lnRef>
+          <a:fillRef idx="1">
+            <a:schemeClr val="accent1"/>
+          </a:fillRef>
+          <a:effectRef idx="0">
+            <a:schemeClr val="accent1"/>
+          </a:effectRef>
+          <a:fontRef idx="minor">
+            <a:schemeClr val="lt1"/>
+          </a:fontRef>
+        </p:style>
+        <p:txBody>
+          <a:bodyPr rtlCol="0" anchor="ctr"/>
+          <a:lstStyle/>
+          <a:p>
+            <a:pPr algn="ctr"/>
+            <a:endParaRPr lang="ko-KR" altLang="en-US" dirty="0">
+              <a:solidFill>
+                <a:prstClr val="white"/>
+              </a:solidFill>
+              <a:latin typeface="메이플스토리" panose="02000300000000000000" pitchFamily="2" charset="-127"/>
+              <a:ea typeface="메이플스토리" panose="02000300000000000000" pitchFamily="2" charset="-127"/>
+            </a:endParaRPr>
+          </a:p>
+        </p:txBody>
+      </p:sp>
+      <p:grpSp>
+        <p:nvGrpSpPr>
+          <p:cNvPr id="3" name="그룹 2">
+            <a:extLst>
+              <a:ext uri="{FF2B5EF4-FFF2-40B4-BE49-F238E27FC236}">
+                <a16:creationId xmlns:a16="http://schemas.microsoft.com/office/drawing/2014/main" id="{7420652B-0DC6-447D-991B-C65351ABC397}"/>
+              </a:ext>
+            </a:extLst>
+          </p:cNvPr>
+          <p:cNvGrpSpPr/>
+          <p:nvPr/>
+        </p:nvGrpSpPr>
+        <p:grpSpPr>
+          <a:xfrm>
+            <a:off x="504309" y="258545"/>
+            <a:ext cx="1654430" cy="553678"/>
+            <a:chOff x="768260" y="852435"/>
+            <a:chExt cx="1654430" cy="553678"/>
+          </a:xfrm>
+        </p:grpSpPr>
+        <p:sp>
+          <p:nvSpPr>
+            <p:cNvPr id="2" name="직사각형 1">
+              <a:extLst>
+                <a:ext uri="{FF2B5EF4-FFF2-40B4-BE49-F238E27FC236}">
+                  <a16:creationId xmlns:a16="http://schemas.microsoft.com/office/drawing/2014/main" id="{80147571-572A-4ED7-A9E8-76E39ADD9A6B}"/>
+                </a:ext>
+              </a:extLst>
+            </p:cNvPr>
+            <p:cNvSpPr/>
+            <p:nvPr/>
+          </p:nvSpPr>
+          <p:spPr>
+            <a:xfrm>
+              <a:off x="825944" y="1109625"/>
+              <a:ext cx="1483200" cy="244800"/>
+            </a:xfrm>
+            <a:prstGeom prst="rect">
+              <a:avLst/>
+            </a:prstGeom>
+            <a:solidFill>
+              <a:srgbClr val="70B5CE">
+                <a:alpha val="50000"/>
+              </a:srgbClr>
+            </a:solidFill>
+            <a:ln>
+              <a:noFill/>
+            </a:ln>
+          </p:spPr>
+          <p:style>
+            <a:lnRef idx="2">
+              <a:schemeClr val="accent1">
+                <a:shade val="50000"/>
+              </a:schemeClr>
+            </a:lnRef>
+            <a:fillRef idx="1">
+              <a:schemeClr val="accent1"/>
+            </a:fillRef>
+            <a:effectRef idx="0">
+              <a:schemeClr val="accent1"/>
+            </a:effectRef>
+            <a:fontRef idx="minor">
+              <a:schemeClr val="lt1"/>
+            </a:fontRef>
+          </p:style>
+          <p:txBody>
+            <a:bodyPr rtlCol="0" anchor="ctr"/>
+            <a:lstStyle/>
+            <a:p>
+              <a:pPr algn="ctr"/>
+              <a:endParaRPr lang="ko-KR" altLang="en-US" dirty="0"/>
+            </a:p>
+          </p:txBody>
+        </p:sp>
+        <p:sp>
+          <p:nvSpPr>
+            <p:cNvPr id="12" name="직사각형 11">
+              <a:extLst>
+                <a:ext uri="{FF2B5EF4-FFF2-40B4-BE49-F238E27FC236}">
+                  <a16:creationId xmlns:a16="http://schemas.microsoft.com/office/drawing/2014/main" id="{22CBA276-1E80-461E-8170-36915E8DA499}"/>
+                </a:ext>
+              </a:extLst>
+            </p:cNvPr>
+            <p:cNvSpPr/>
+            <p:nvPr/>
+          </p:nvSpPr>
+          <p:spPr>
+            <a:xfrm>
+              <a:off x="768260" y="852435"/>
+              <a:ext cx="1654430" cy="553678"/>
+            </a:xfrm>
+            <a:prstGeom prst="rect">
+              <a:avLst/>
+            </a:prstGeom>
+            <a:noFill/>
+          </p:spPr>
+          <p:txBody>
+            <a:bodyPr wrap="square">
+              <a:spAutoFit/>
+            </a:bodyPr>
+            <a:lstStyle/>
+            <a:p>
+              <a:pPr latinLnBrk="0">
+                <a:lnSpc>
+                  <a:spcPct val="150000"/>
+                </a:lnSpc>
+                <a:defRPr/>
+              </a:pPr>
+              <a:r>
+                <a:rPr lang="en-US" altLang="ko-KR" sz="2200" kern="0" dirty="0">
+                  <a:solidFill>
+                    <a:prstClr val="black">
+                      <a:lumMod val="75000"/>
+                      <a:lumOff val="25000"/>
+                    </a:prstClr>
+                  </a:solidFill>
+                  <a:latin typeface="메이플스토리" panose="02000300000000000000" pitchFamily="2" charset="-127"/>
+                  <a:ea typeface="메이플스토리" panose="02000300000000000000" pitchFamily="2" charset="-127"/>
+                </a:rPr>
+                <a:t>#  </a:t>
+              </a:r>
+              <a:r>
+                <a:rPr lang="ko-KR" altLang="en-US" sz="2200" kern="0" dirty="0">
+                  <a:solidFill>
+                    <a:prstClr val="black">
+                      <a:lumMod val="75000"/>
+                      <a:lumOff val="25000"/>
+                    </a:prstClr>
+                  </a:solidFill>
+                  <a:latin typeface="메이플스토리" panose="02000300000000000000" pitchFamily="2" charset="-127"/>
+                  <a:ea typeface="메이플스토리" panose="02000300000000000000" pitchFamily="2" charset="-127"/>
+                </a:rPr>
+                <a:t>데모 영상</a:t>
+              </a:r>
+            </a:p>
+          </p:txBody>
+        </p:sp>
+      </p:grpSp>
+    </p:spTree>
+    <p:extLst>
+      <p:ext uri="{BB962C8B-B14F-4D97-AF65-F5344CB8AC3E}">
+        <p14:creationId xmlns:p14="http://schemas.microsoft.com/office/powerpoint/2010/main" val="1891671653"/>
+      </p:ext>
+    </p:extLst>
+  </p:cSld>
+  <p:clrMapOvr>
+    <a:masterClrMapping/>
+  </p:clrMapOvr>
+</p:sld>
+</file>
+
 <file path=ppt/slides/slide12.xml><?xml version="1.0" encoding="utf-8"?>
+<p:sld xmlns:a="http://schemas.openxmlformats.org/drawingml/2006/main" xmlns:r="http://schemas.openxmlformats.org/officeDocument/2006/relationships" xmlns:p="http://schemas.openxmlformats.org/presentationml/2006/main">
+  <p:cSld>
+    <p:bg>
+      <p:bgPr>
+        <a:solidFill>
+          <a:srgbClr val="E7E7E7"/>
+        </a:solidFill>
+        <a:effectLst/>
+      </p:bgPr>
+    </p:bg>
+    <p:spTree>
+      <p:nvGrpSpPr>
+        <p:cNvPr id="1" name=""/>
+        <p:cNvGrpSpPr/>
+        <p:nvPr/>
+      </p:nvGrpSpPr>
+      <p:grpSpPr>
+        <a:xfrm>
+          <a:off x="0" y="0"/>
+          <a:ext cx="0" cy="0"/>
+          <a:chOff x="0" y="0"/>
+          <a:chExt cx="0" cy="0"/>
+        </a:xfrm>
+      </p:grpSpPr>
+      <p:sp>
+        <p:nvSpPr>
+          <p:cNvPr id="13" name="자유형 12"/>
+          <p:cNvSpPr/>
+          <p:nvPr/>
+        </p:nvSpPr>
+        <p:spPr>
+          <a:xfrm>
+            <a:off x="1894063" y="1727936"/>
+            <a:ext cx="8431056" cy="3413187"/>
+          </a:xfrm>
+          <a:custGeom>
+            <a:avLst/>
+            <a:gdLst>
+              <a:gd name="connsiteX0" fmla="*/ 5843210 w 8353685"/>
+              <a:gd name="connsiteY0" fmla="*/ 1103077 h 5381201"/>
+              <a:gd name="connsiteX1" fmla="*/ 3334789 w 8353685"/>
+              <a:gd name="connsiteY1" fmla="*/ 3326 h 5381201"/>
+              <a:gd name="connsiteX2" fmla="*/ 406237 w 8353685"/>
+              <a:gd name="connsiteY2" fmla="*/ 917726 h 5381201"/>
+              <a:gd name="connsiteX3" fmla="*/ 690443 w 8353685"/>
+              <a:gd name="connsiteY3" fmla="*/ 4624753 h 5381201"/>
+              <a:gd name="connsiteX4" fmla="*/ 6535189 w 8353685"/>
+              <a:gd name="connsiteY4" fmla="*/ 5292018 h 5381201"/>
+              <a:gd name="connsiteX5" fmla="*/ 8339275 w 8353685"/>
+              <a:gd name="connsiteY5" fmla="*/ 3339650 h 5381201"/>
+              <a:gd name="connsiteX6" fmla="*/ 5843210 w 8353685"/>
+              <a:gd name="connsiteY6" fmla="*/ 1103077 h 5381201"/>
+              <a:gd name="connsiteX0" fmla="*/ 7140669 w 8352903"/>
+              <a:gd name="connsiteY0" fmla="*/ 1026980 h 5379245"/>
+              <a:gd name="connsiteX1" fmla="*/ 3334789 w 8352903"/>
+              <a:gd name="connsiteY1" fmla="*/ 1370 h 5379245"/>
+              <a:gd name="connsiteX2" fmla="*/ 406237 w 8352903"/>
+              <a:gd name="connsiteY2" fmla="*/ 915770 h 5379245"/>
+              <a:gd name="connsiteX3" fmla="*/ 690443 w 8352903"/>
+              <a:gd name="connsiteY3" fmla="*/ 4622797 h 5379245"/>
+              <a:gd name="connsiteX4" fmla="*/ 6535189 w 8352903"/>
+              <a:gd name="connsiteY4" fmla="*/ 5290062 h 5379245"/>
+              <a:gd name="connsiteX5" fmla="*/ 8339275 w 8352903"/>
+              <a:gd name="connsiteY5" fmla="*/ 3337694 h 5379245"/>
+              <a:gd name="connsiteX6" fmla="*/ 7140669 w 8352903"/>
+              <a:gd name="connsiteY6" fmla="*/ 1026980 h 5379245"/>
+              <a:gd name="connsiteX0" fmla="*/ 6993034 w 8205268"/>
+              <a:gd name="connsiteY0" fmla="*/ 1034925 h 5371982"/>
+              <a:gd name="connsiteX1" fmla="*/ 3187154 w 8205268"/>
+              <a:gd name="connsiteY1" fmla="*/ 9315 h 5371982"/>
+              <a:gd name="connsiteX2" fmla="*/ 555165 w 8205268"/>
+              <a:gd name="connsiteY2" fmla="*/ 1566266 h 5371982"/>
+              <a:gd name="connsiteX3" fmla="*/ 542808 w 8205268"/>
+              <a:gd name="connsiteY3" fmla="*/ 4630742 h 5371982"/>
+              <a:gd name="connsiteX4" fmla="*/ 6387554 w 8205268"/>
+              <a:gd name="connsiteY4" fmla="*/ 5298007 h 5371982"/>
+              <a:gd name="connsiteX5" fmla="*/ 8191640 w 8205268"/>
+              <a:gd name="connsiteY5" fmla="*/ 3345639 h 5371982"/>
+              <a:gd name="connsiteX6" fmla="*/ 6993034 w 8205268"/>
+              <a:gd name="connsiteY6" fmla="*/ 1034925 h 5371982"/>
+              <a:gd name="connsiteX0" fmla="*/ 6656111 w 7868345"/>
+              <a:gd name="connsiteY0" fmla="*/ 1034925 h 5381322"/>
+              <a:gd name="connsiteX1" fmla="*/ 2850231 w 7868345"/>
+              <a:gd name="connsiteY1" fmla="*/ 9315 h 5381322"/>
+              <a:gd name="connsiteX2" fmla="*/ 218242 w 7868345"/>
+              <a:gd name="connsiteY2" fmla="*/ 1566266 h 5381322"/>
+              <a:gd name="connsiteX3" fmla="*/ 811366 w 7868345"/>
+              <a:gd name="connsiteY3" fmla="*/ 4692526 h 5381322"/>
+              <a:gd name="connsiteX4" fmla="*/ 6050631 w 7868345"/>
+              <a:gd name="connsiteY4" fmla="*/ 5298007 h 5381322"/>
+              <a:gd name="connsiteX5" fmla="*/ 7854717 w 7868345"/>
+              <a:gd name="connsiteY5" fmla="*/ 3345639 h 5381322"/>
+              <a:gd name="connsiteX6" fmla="*/ 6656111 w 7868345"/>
+              <a:gd name="connsiteY6" fmla="*/ 1034925 h 5381322"/>
+              <a:gd name="connsiteX0" fmla="*/ 6779651 w 7991885"/>
+              <a:gd name="connsiteY0" fmla="*/ 1034925 h 5371982"/>
+              <a:gd name="connsiteX1" fmla="*/ 2973771 w 7991885"/>
+              <a:gd name="connsiteY1" fmla="*/ 9315 h 5371982"/>
+              <a:gd name="connsiteX2" fmla="*/ 341782 w 7991885"/>
+              <a:gd name="connsiteY2" fmla="*/ 1566266 h 5371982"/>
+              <a:gd name="connsiteX3" fmla="*/ 675414 w 7991885"/>
+              <a:gd name="connsiteY3" fmla="*/ 4630743 h 5371982"/>
+              <a:gd name="connsiteX4" fmla="*/ 6174171 w 7991885"/>
+              <a:gd name="connsiteY4" fmla="*/ 5298007 h 5371982"/>
+              <a:gd name="connsiteX5" fmla="*/ 7978257 w 7991885"/>
+              <a:gd name="connsiteY5" fmla="*/ 3345639 h 5371982"/>
+              <a:gd name="connsiteX6" fmla="*/ 6779651 w 7991885"/>
+              <a:gd name="connsiteY6" fmla="*/ 1034925 h 5371982"/>
+              <a:gd name="connsiteX0" fmla="*/ 6736460 w 7951764"/>
+              <a:gd name="connsiteY0" fmla="*/ 49375 h 4386432"/>
+              <a:gd name="connsiteX1" fmla="*/ 2244780 w 7951764"/>
+              <a:gd name="connsiteY1" fmla="*/ 763665 h 4386432"/>
+              <a:gd name="connsiteX2" fmla="*/ 298591 w 7951764"/>
+              <a:gd name="connsiteY2" fmla="*/ 580716 h 4386432"/>
+              <a:gd name="connsiteX3" fmla="*/ 632223 w 7951764"/>
+              <a:gd name="connsiteY3" fmla="*/ 3645193 h 4386432"/>
+              <a:gd name="connsiteX4" fmla="*/ 6130980 w 7951764"/>
+              <a:gd name="connsiteY4" fmla="*/ 4312457 h 4386432"/>
+              <a:gd name="connsiteX5" fmla="*/ 7935066 w 7951764"/>
+              <a:gd name="connsiteY5" fmla="*/ 2360089 h 4386432"/>
+              <a:gd name="connsiteX6" fmla="*/ 6736460 w 7951764"/>
+              <a:gd name="connsiteY6" fmla="*/ 49375 h 4386432"/>
+              <a:gd name="connsiteX0" fmla="*/ 6787593 w 8002897"/>
+              <a:gd name="connsiteY0" fmla="*/ 53650 h 4380574"/>
+              <a:gd name="connsiteX1" fmla="*/ 2295913 w 8002897"/>
+              <a:gd name="connsiteY1" fmla="*/ 767940 h 4380574"/>
+              <a:gd name="connsiteX2" fmla="*/ 260824 w 8002897"/>
+              <a:gd name="connsiteY2" fmla="*/ 1131091 h 4380574"/>
+              <a:gd name="connsiteX3" fmla="*/ 683356 w 8002897"/>
+              <a:gd name="connsiteY3" fmla="*/ 3649468 h 4380574"/>
+              <a:gd name="connsiteX4" fmla="*/ 6182113 w 8002897"/>
+              <a:gd name="connsiteY4" fmla="*/ 4316732 h 4380574"/>
+              <a:gd name="connsiteX5" fmla="*/ 7986199 w 8002897"/>
+              <a:gd name="connsiteY5" fmla="*/ 2364364 h 4380574"/>
+              <a:gd name="connsiteX6" fmla="*/ 6787593 w 8002897"/>
+              <a:gd name="connsiteY6" fmla="*/ 53650 h 4380574"/>
+              <a:gd name="connsiteX0" fmla="*/ 6701591 w 8007750"/>
+              <a:gd name="connsiteY0" fmla="*/ 53650 h 3693176"/>
+              <a:gd name="connsiteX1" fmla="*/ 2209911 w 8007750"/>
+              <a:gd name="connsiteY1" fmla="*/ 767940 h 3693176"/>
+              <a:gd name="connsiteX2" fmla="*/ 174822 w 8007750"/>
+              <a:gd name="connsiteY2" fmla="*/ 1131091 h 3693176"/>
+              <a:gd name="connsiteX3" fmla="*/ 597354 w 8007750"/>
+              <a:gd name="connsiteY3" fmla="*/ 3649468 h 3693176"/>
+              <a:gd name="connsiteX4" fmla="*/ 4495911 w 8007750"/>
+              <a:gd name="connsiteY4" fmla="*/ 2703832 h 3693176"/>
+              <a:gd name="connsiteX5" fmla="*/ 7900197 w 8007750"/>
+              <a:gd name="connsiteY5" fmla="*/ 2364364 h 3693176"/>
+              <a:gd name="connsiteX6" fmla="*/ 6701591 w 8007750"/>
+              <a:gd name="connsiteY6" fmla="*/ 53650 h 3693176"/>
+              <a:gd name="connsiteX0" fmla="*/ 6701591 w 8007750"/>
+              <a:gd name="connsiteY0" fmla="*/ 53650 h 3251401"/>
+              <a:gd name="connsiteX1" fmla="*/ 2209911 w 8007750"/>
+              <a:gd name="connsiteY1" fmla="*/ 767940 h 3251401"/>
+              <a:gd name="connsiteX2" fmla="*/ 174822 w 8007750"/>
+              <a:gd name="connsiteY2" fmla="*/ 1131091 h 3251401"/>
+              <a:gd name="connsiteX3" fmla="*/ 597354 w 8007750"/>
+              <a:gd name="connsiteY3" fmla="*/ 3179568 h 3251401"/>
+              <a:gd name="connsiteX4" fmla="*/ 4495911 w 8007750"/>
+              <a:gd name="connsiteY4" fmla="*/ 2703832 h 3251401"/>
+              <a:gd name="connsiteX5" fmla="*/ 7900197 w 8007750"/>
+              <a:gd name="connsiteY5" fmla="*/ 2364364 h 3251401"/>
+              <a:gd name="connsiteX6" fmla="*/ 6701591 w 8007750"/>
+              <a:gd name="connsiteY6" fmla="*/ 53650 h 3251401"/>
+              <a:gd name="connsiteX0" fmla="*/ 6868059 w 8174218"/>
+              <a:gd name="connsiteY0" fmla="*/ 53650 h 3309210"/>
+              <a:gd name="connsiteX1" fmla="*/ 2376379 w 8174218"/>
+              <a:gd name="connsiteY1" fmla="*/ 767940 h 3309210"/>
+              <a:gd name="connsiteX2" fmla="*/ 341290 w 8174218"/>
+              <a:gd name="connsiteY2" fmla="*/ 1131091 h 3309210"/>
+              <a:gd name="connsiteX3" fmla="*/ 446322 w 8174218"/>
+              <a:gd name="connsiteY3" fmla="*/ 3243068 h 3309210"/>
+              <a:gd name="connsiteX4" fmla="*/ 4662379 w 8174218"/>
+              <a:gd name="connsiteY4" fmla="*/ 2703832 h 3309210"/>
+              <a:gd name="connsiteX5" fmla="*/ 8066665 w 8174218"/>
+              <a:gd name="connsiteY5" fmla="*/ 2364364 h 3309210"/>
+              <a:gd name="connsiteX6" fmla="*/ 6868059 w 8174218"/>
+              <a:gd name="connsiteY6" fmla="*/ 53650 h 3309210"/>
+            </a:gdLst>
+            <a:ahLst/>
+            <a:cxnLst>
+              <a:cxn ang="0">
+                <a:pos x="connsiteX0" y="connsiteY0"/>
+              </a:cxn>
+              <a:cxn ang="0">
+                <a:pos x="connsiteX1" y="connsiteY1"/>
+              </a:cxn>
+              <a:cxn ang="0">
+                <a:pos x="connsiteX2" y="connsiteY2"/>
+              </a:cxn>
+              <a:cxn ang="0">
+                <a:pos x="connsiteX3" y="connsiteY3"/>
+              </a:cxn>
+              <a:cxn ang="0">
+                <a:pos x="connsiteX4" y="connsiteY4"/>
+              </a:cxn>
+              <a:cxn ang="0">
+                <a:pos x="connsiteX5" y="connsiteY5"/>
+              </a:cxn>
+              <a:cxn ang="0">
+                <a:pos x="connsiteX6" y="connsiteY6"/>
+              </a:cxn>
+            </a:cxnLst>
+            <a:rect l="l" t="t" r="r" b="b"/>
+            <a:pathLst>
+              <a:path w="8174218" h="3309210">
+                <a:moveTo>
+                  <a:pt x="6868059" y="53650"/>
+                </a:moveTo>
+                <a:cubicBezTo>
+                  <a:pt x="5919678" y="-212421"/>
+                  <a:pt x="3464174" y="588367"/>
+                  <a:pt x="2376379" y="767940"/>
+                </a:cubicBezTo>
+                <a:cubicBezTo>
+                  <a:pt x="1288584" y="947513"/>
+                  <a:pt x="662966" y="718570"/>
+                  <a:pt x="341290" y="1131091"/>
+                </a:cubicBezTo>
+                <a:cubicBezTo>
+                  <a:pt x="19614" y="1543612"/>
+                  <a:pt x="-273860" y="2980945"/>
+                  <a:pt x="446322" y="3243068"/>
+                </a:cubicBezTo>
+                <a:cubicBezTo>
+                  <a:pt x="1166504" y="3505192"/>
+                  <a:pt x="3387574" y="2918016"/>
+                  <a:pt x="4662379" y="2703832"/>
+                </a:cubicBezTo>
+                <a:cubicBezTo>
+                  <a:pt x="5937184" y="2489648"/>
+                  <a:pt x="7699052" y="2806061"/>
+                  <a:pt x="8066665" y="2364364"/>
+                </a:cubicBezTo>
+                <a:cubicBezTo>
+                  <a:pt x="8434278" y="1922667"/>
+                  <a:pt x="7816440" y="319721"/>
+                  <a:pt x="6868059" y="53650"/>
+                </a:cubicBezTo>
+                <a:close/>
+              </a:path>
+            </a:pathLst>
+          </a:custGeom>
+          <a:solidFill>
+            <a:schemeClr val="bg1"/>
+          </a:solidFill>
+          <a:ln>
+            <a:solidFill>
+              <a:schemeClr val="bg1">
+                <a:lumMod val="75000"/>
+              </a:schemeClr>
+            </a:solidFill>
+          </a:ln>
+        </p:spPr>
+        <p:style>
+          <a:lnRef idx="2">
+            <a:schemeClr val="accent1">
+              <a:shade val="50000"/>
+            </a:schemeClr>
+          </a:lnRef>
+          <a:fillRef idx="1">
+            <a:schemeClr val="accent1"/>
+          </a:fillRef>
+          <a:effectRef idx="0">
+            <a:schemeClr val="accent1"/>
+          </a:effectRef>
+          <a:fontRef idx="minor">
+            <a:schemeClr val="lt1"/>
+          </a:fontRef>
+        </p:style>
+        <p:txBody>
+          <a:bodyPr rtlCol="0" anchor="ctr"/>
+          <a:lstStyle/>
+          <a:p>
+            <a:pPr algn="ctr"/>
+            <a:endParaRPr lang="ko-KR" altLang="en-US">
+              <a:solidFill>
+                <a:prstClr val="white"/>
+              </a:solidFill>
+            </a:endParaRPr>
+          </a:p>
+        </p:txBody>
+      </p:sp>
+      <p:sp>
+        <p:nvSpPr>
+          <p:cNvPr id="16" name="자유형 15"/>
+          <p:cNvSpPr/>
+          <p:nvPr/>
+        </p:nvSpPr>
+        <p:spPr>
+          <a:xfrm>
+            <a:off x="1701272" y="1540879"/>
+            <a:ext cx="8789456" cy="3776242"/>
+          </a:xfrm>
+          <a:custGeom>
+            <a:avLst/>
+            <a:gdLst>
+              <a:gd name="connsiteX0" fmla="*/ 5843210 w 8353685"/>
+              <a:gd name="connsiteY0" fmla="*/ 1103077 h 5381201"/>
+              <a:gd name="connsiteX1" fmla="*/ 3334789 w 8353685"/>
+              <a:gd name="connsiteY1" fmla="*/ 3326 h 5381201"/>
+              <a:gd name="connsiteX2" fmla="*/ 406237 w 8353685"/>
+              <a:gd name="connsiteY2" fmla="*/ 917726 h 5381201"/>
+              <a:gd name="connsiteX3" fmla="*/ 690443 w 8353685"/>
+              <a:gd name="connsiteY3" fmla="*/ 4624753 h 5381201"/>
+              <a:gd name="connsiteX4" fmla="*/ 6535189 w 8353685"/>
+              <a:gd name="connsiteY4" fmla="*/ 5292018 h 5381201"/>
+              <a:gd name="connsiteX5" fmla="*/ 8339275 w 8353685"/>
+              <a:gd name="connsiteY5" fmla="*/ 3339650 h 5381201"/>
+              <a:gd name="connsiteX6" fmla="*/ 5843210 w 8353685"/>
+              <a:gd name="connsiteY6" fmla="*/ 1103077 h 5381201"/>
+              <a:gd name="connsiteX0" fmla="*/ 7140669 w 8352903"/>
+              <a:gd name="connsiteY0" fmla="*/ 1026980 h 5379245"/>
+              <a:gd name="connsiteX1" fmla="*/ 3334789 w 8352903"/>
+              <a:gd name="connsiteY1" fmla="*/ 1370 h 5379245"/>
+              <a:gd name="connsiteX2" fmla="*/ 406237 w 8352903"/>
+              <a:gd name="connsiteY2" fmla="*/ 915770 h 5379245"/>
+              <a:gd name="connsiteX3" fmla="*/ 690443 w 8352903"/>
+              <a:gd name="connsiteY3" fmla="*/ 4622797 h 5379245"/>
+              <a:gd name="connsiteX4" fmla="*/ 6535189 w 8352903"/>
+              <a:gd name="connsiteY4" fmla="*/ 5290062 h 5379245"/>
+              <a:gd name="connsiteX5" fmla="*/ 8339275 w 8352903"/>
+              <a:gd name="connsiteY5" fmla="*/ 3337694 h 5379245"/>
+              <a:gd name="connsiteX6" fmla="*/ 7140669 w 8352903"/>
+              <a:gd name="connsiteY6" fmla="*/ 1026980 h 5379245"/>
+              <a:gd name="connsiteX0" fmla="*/ 6993034 w 8205268"/>
+              <a:gd name="connsiteY0" fmla="*/ 1034925 h 5371982"/>
+              <a:gd name="connsiteX1" fmla="*/ 3187154 w 8205268"/>
+              <a:gd name="connsiteY1" fmla="*/ 9315 h 5371982"/>
+              <a:gd name="connsiteX2" fmla="*/ 555165 w 8205268"/>
+              <a:gd name="connsiteY2" fmla="*/ 1566266 h 5371982"/>
+              <a:gd name="connsiteX3" fmla="*/ 542808 w 8205268"/>
+              <a:gd name="connsiteY3" fmla="*/ 4630742 h 5371982"/>
+              <a:gd name="connsiteX4" fmla="*/ 6387554 w 8205268"/>
+              <a:gd name="connsiteY4" fmla="*/ 5298007 h 5371982"/>
+              <a:gd name="connsiteX5" fmla="*/ 8191640 w 8205268"/>
+              <a:gd name="connsiteY5" fmla="*/ 3345639 h 5371982"/>
+              <a:gd name="connsiteX6" fmla="*/ 6993034 w 8205268"/>
+              <a:gd name="connsiteY6" fmla="*/ 1034925 h 5371982"/>
+              <a:gd name="connsiteX0" fmla="*/ 6656111 w 7868345"/>
+              <a:gd name="connsiteY0" fmla="*/ 1034925 h 5381322"/>
+              <a:gd name="connsiteX1" fmla="*/ 2850231 w 7868345"/>
+              <a:gd name="connsiteY1" fmla="*/ 9315 h 5381322"/>
+              <a:gd name="connsiteX2" fmla="*/ 218242 w 7868345"/>
+              <a:gd name="connsiteY2" fmla="*/ 1566266 h 5381322"/>
+              <a:gd name="connsiteX3" fmla="*/ 811366 w 7868345"/>
+              <a:gd name="connsiteY3" fmla="*/ 4692526 h 5381322"/>
+              <a:gd name="connsiteX4" fmla="*/ 6050631 w 7868345"/>
+              <a:gd name="connsiteY4" fmla="*/ 5298007 h 5381322"/>
+              <a:gd name="connsiteX5" fmla="*/ 7854717 w 7868345"/>
+              <a:gd name="connsiteY5" fmla="*/ 3345639 h 5381322"/>
+              <a:gd name="connsiteX6" fmla="*/ 6656111 w 7868345"/>
+              <a:gd name="connsiteY6" fmla="*/ 1034925 h 5381322"/>
+              <a:gd name="connsiteX0" fmla="*/ 6779651 w 7991885"/>
+              <a:gd name="connsiteY0" fmla="*/ 1034925 h 5371982"/>
+              <a:gd name="connsiteX1" fmla="*/ 2973771 w 7991885"/>
+              <a:gd name="connsiteY1" fmla="*/ 9315 h 5371982"/>
+              <a:gd name="connsiteX2" fmla="*/ 341782 w 7991885"/>
+              <a:gd name="connsiteY2" fmla="*/ 1566266 h 5371982"/>
+              <a:gd name="connsiteX3" fmla="*/ 675414 w 7991885"/>
+              <a:gd name="connsiteY3" fmla="*/ 4630743 h 5371982"/>
+              <a:gd name="connsiteX4" fmla="*/ 6174171 w 7991885"/>
+              <a:gd name="connsiteY4" fmla="*/ 5298007 h 5371982"/>
+              <a:gd name="connsiteX5" fmla="*/ 7978257 w 7991885"/>
+              <a:gd name="connsiteY5" fmla="*/ 3345639 h 5371982"/>
+              <a:gd name="connsiteX6" fmla="*/ 6779651 w 7991885"/>
+              <a:gd name="connsiteY6" fmla="*/ 1034925 h 5371982"/>
+              <a:gd name="connsiteX0" fmla="*/ 6736460 w 7951764"/>
+              <a:gd name="connsiteY0" fmla="*/ 49375 h 4386432"/>
+              <a:gd name="connsiteX1" fmla="*/ 2244780 w 7951764"/>
+              <a:gd name="connsiteY1" fmla="*/ 763665 h 4386432"/>
+              <a:gd name="connsiteX2" fmla="*/ 298591 w 7951764"/>
+              <a:gd name="connsiteY2" fmla="*/ 580716 h 4386432"/>
+              <a:gd name="connsiteX3" fmla="*/ 632223 w 7951764"/>
+              <a:gd name="connsiteY3" fmla="*/ 3645193 h 4386432"/>
+              <a:gd name="connsiteX4" fmla="*/ 6130980 w 7951764"/>
+              <a:gd name="connsiteY4" fmla="*/ 4312457 h 4386432"/>
+              <a:gd name="connsiteX5" fmla="*/ 7935066 w 7951764"/>
+              <a:gd name="connsiteY5" fmla="*/ 2360089 h 4386432"/>
+              <a:gd name="connsiteX6" fmla="*/ 6736460 w 7951764"/>
+              <a:gd name="connsiteY6" fmla="*/ 49375 h 4386432"/>
+              <a:gd name="connsiteX0" fmla="*/ 6787593 w 8002897"/>
+              <a:gd name="connsiteY0" fmla="*/ 53650 h 4380574"/>
+              <a:gd name="connsiteX1" fmla="*/ 2295913 w 8002897"/>
+              <a:gd name="connsiteY1" fmla="*/ 767940 h 4380574"/>
+              <a:gd name="connsiteX2" fmla="*/ 260824 w 8002897"/>
+              <a:gd name="connsiteY2" fmla="*/ 1131091 h 4380574"/>
+              <a:gd name="connsiteX3" fmla="*/ 683356 w 8002897"/>
+              <a:gd name="connsiteY3" fmla="*/ 3649468 h 4380574"/>
+              <a:gd name="connsiteX4" fmla="*/ 6182113 w 8002897"/>
+              <a:gd name="connsiteY4" fmla="*/ 4316732 h 4380574"/>
+              <a:gd name="connsiteX5" fmla="*/ 7986199 w 8002897"/>
+              <a:gd name="connsiteY5" fmla="*/ 2364364 h 4380574"/>
+              <a:gd name="connsiteX6" fmla="*/ 6787593 w 8002897"/>
+              <a:gd name="connsiteY6" fmla="*/ 53650 h 4380574"/>
+              <a:gd name="connsiteX0" fmla="*/ 6701591 w 8007750"/>
+              <a:gd name="connsiteY0" fmla="*/ 53650 h 3693176"/>
+              <a:gd name="connsiteX1" fmla="*/ 2209911 w 8007750"/>
+              <a:gd name="connsiteY1" fmla="*/ 767940 h 3693176"/>
+              <a:gd name="connsiteX2" fmla="*/ 174822 w 8007750"/>
+              <a:gd name="connsiteY2" fmla="*/ 1131091 h 3693176"/>
+              <a:gd name="connsiteX3" fmla="*/ 597354 w 8007750"/>
+              <a:gd name="connsiteY3" fmla="*/ 3649468 h 3693176"/>
+              <a:gd name="connsiteX4" fmla="*/ 4495911 w 8007750"/>
+              <a:gd name="connsiteY4" fmla="*/ 2703832 h 3693176"/>
+              <a:gd name="connsiteX5" fmla="*/ 7900197 w 8007750"/>
+              <a:gd name="connsiteY5" fmla="*/ 2364364 h 3693176"/>
+              <a:gd name="connsiteX6" fmla="*/ 6701591 w 8007750"/>
+              <a:gd name="connsiteY6" fmla="*/ 53650 h 3693176"/>
+              <a:gd name="connsiteX0" fmla="*/ 6701591 w 8007750"/>
+              <a:gd name="connsiteY0" fmla="*/ 53650 h 3251401"/>
+              <a:gd name="connsiteX1" fmla="*/ 2209911 w 8007750"/>
+              <a:gd name="connsiteY1" fmla="*/ 767940 h 3251401"/>
+              <a:gd name="connsiteX2" fmla="*/ 174822 w 8007750"/>
+              <a:gd name="connsiteY2" fmla="*/ 1131091 h 3251401"/>
+              <a:gd name="connsiteX3" fmla="*/ 597354 w 8007750"/>
+              <a:gd name="connsiteY3" fmla="*/ 3179568 h 3251401"/>
+              <a:gd name="connsiteX4" fmla="*/ 4495911 w 8007750"/>
+              <a:gd name="connsiteY4" fmla="*/ 2703832 h 3251401"/>
+              <a:gd name="connsiteX5" fmla="*/ 7900197 w 8007750"/>
+              <a:gd name="connsiteY5" fmla="*/ 2364364 h 3251401"/>
+              <a:gd name="connsiteX6" fmla="*/ 6701591 w 8007750"/>
+              <a:gd name="connsiteY6" fmla="*/ 53650 h 3251401"/>
+              <a:gd name="connsiteX0" fmla="*/ 6868059 w 8174218"/>
+              <a:gd name="connsiteY0" fmla="*/ 53650 h 3309210"/>
+              <a:gd name="connsiteX1" fmla="*/ 2376379 w 8174218"/>
+              <a:gd name="connsiteY1" fmla="*/ 767940 h 3309210"/>
+              <a:gd name="connsiteX2" fmla="*/ 341290 w 8174218"/>
+              <a:gd name="connsiteY2" fmla="*/ 1131091 h 3309210"/>
+              <a:gd name="connsiteX3" fmla="*/ 446322 w 8174218"/>
+              <a:gd name="connsiteY3" fmla="*/ 3243068 h 3309210"/>
+              <a:gd name="connsiteX4" fmla="*/ 4662379 w 8174218"/>
+              <a:gd name="connsiteY4" fmla="*/ 2703832 h 3309210"/>
+              <a:gd name="connsiteX5" fmla="*/ 8066665 w 8174218"/>
+              <a:gd name="connsiteY5" fmla="*/ 2364364 h 3309210"/>
+              <a:gd name="connsiteX6" fmla="*/ 6868059 w 8174218"/>
+              <a:gd name="connsiteY6" fmla="*/ 53650 h 3309210"/>
+            </a:gdLst>
+            <a:ahLst/>
+            <a:cxnLst>
+              <a:cxn ang="0">
+                <a:pos x="connsiteX0" y="connsiteY0"/>
+              </a:cxn>
+              <a:cxn ang="0">
+                <a:pos x="connsiteX1" y="connsiteY1"/>
+              </a:cxn>
+              <a:cxn ang="0">
+                <a:pos x="connsiteX2" y="connsiteY2"/>
+              </a:cxn>
+              <a:cxn ang="0">
+                <a:pos x="connsiteX3" y="connsiteY3"/>
+              </a:cxn>
+              <a:cxn ang="0">
+                <a:pos x="connsiteX4" y="connsiteY4"/>
+              </a:cxn>
+              <a:cxn ang="0">
+                <a:pos x="connsiteX5" y="connsiteY5"/>
+              </a:cxn>
+              <a:cxn ang="0">
+                <a:pos x="connsiteX6" y="connsiteY6"/>
+              </a:cxn>
+            </a:cxnLst>
+            <a:rect l="l" t="t" r="r" b="b"/>
+            <a:pathLst>
+              <a:path w="8174218" h="3309210">
+                <a:moveTo>
+                  <a:pt x="6868059" y="53650"/>
+                </a:moveTo>
+                <a:cubicBezTo>
+                  <a:pt x="5919678" y="-212421"/>
+                  <a:pt x="3464174" y="588367"/>
+                  <a:pt x="2376379" y="767940"/>
+                </a:cubicBezTo>
+                <a:cubicBezTo>
+                  <a:pt x="1288584" y="947513"/>
+                  <a:pt x="662966" y="718570"/>
+                  <a:pt x="341290" y="1131091"/>
+                </a:cubicBezTo>
+                <a:cubicBezTo>
+                  <a:pt x="19614" y="1543612"/>
+                  <a:pt x="-273860" y="2980945"/>
+                  <a:pt x="446322" y="3243068"/>
+                </a:cubicBezTo>
+                <a:cubicBezTo>
+                  <a:pt x="1166504" y="3505192"/>
+                  <a:pt x="3387574" y="2918016"/>
+                  <a:pt x="4662379" y="2703832"/>
+                </a:cubicBezTo>
+                <a:cubicBezTo>
+                  <a:pt x="5937184" y="2489648"/>
+                  <a:pt x="7699052" y="2806061"/>
+                  <a:pt x="8066665" y="2364364"/>
+                </a:cubicBezTo>
+                <a:cubicBezTo>
+                  <a:pt x="8434278" y="1922667"/>
+                  <a:pt x="7816440" y="319721"/>
+                  <a:pt x="6868059" y="53650"/>
+                </a:cubicBezTo>
+                <a:close/>
+              </a:path>
+            </a:pathLst>
+          </a:custGeom>
+          <a:noFill/>
+          <a:ln w="19050">
+            <a:solidFill>
+              <a:schemeClr val="bg1"/>
+            </a:solidFill>
+            <a:prstDash val="sysDash"/>
+          </a:ln>
+        </p:spPr>
+        <p:style>
+          <a:lnRef idx="2">
+            <a:schemeClr val="accent1">
+              <a:shade val="50000"/>
+            </a:schemeClr>
+          </a:lnRef>
+          <a:fillRef idx="1">
+            <a:schemeClr val="accent1"/>
+          </a:fillRef>
+          <a:effectRef idx="0">
+            <a:schemeClr val="accent1"/>
+          </a:effectRef>
+          <a:fontRef idx="minor">
+            <a:schemeClr val="lt1"/>
+          </a:fontRef>
+        </p:style>
+        <p:txBody>
+          <a:bodyPr rtlCol="0" anchor="ctr"/>
+          <a:lstStyle/>
+          <a:p>
+            <a:pPr algn="ctr"/>
+            <a:endParaRPr lang="ko-KR" altLang="en-US">
+              <a:solidFill>
+                <a:prstClr val="white"/>
+              </a:solidFill>
+            </a:endParaRPr>
+          </a:p>
+        </p:txBody>
+      </p:sp>
+      <p:sp>
+        <p:nvSpPr>
+          <p:cNvPr id="12" name="직사각형 11">
+            <a:extLst>
+              <a:ext uri="{FF2B5EF4-FFF2-40B4-BE49-F238E27FC236}">
+                <a16:creationId xmlns:a16="http://schemas.microsoft.com/office/drawing/2014/main" id="{833E1E0C-8F37-4AA3-A7E5-4CB5D1EFB4C3}"/>
+              </a:ext>
+            </a:extLst>
+          </p:cNvPr>
+          <p:cNvSpPr/>
+          <p:nvPr/>
+        </p:nvSpPr>
+        <p:spPr>
+          <a:xfrm rot="21076409">
+            <a:off x="2379473" y="2241536"/>
+            <a:ext cx="7187058" cy="1979644"/>
+          </a:xfrm>
+          <a:prstGeom prst="rect">
+            <a:avLst/>
+          </a:prstGeom>
+          <a:noFill/>
+        </p:spPr>
+        <p:txBody>
+          <a:bodyPr wrap="square" anchor="ctr">
+            <a:spAutoFit/>
+          </a:bodyPr>
+          <a:lstStyle/>
+          <a:p>
+            <a:pPr algn="ctr" latinLnBrk="0">
+              <a:lnSpc>
+                <a:spcPct val="150000"/>
+              </a:lnSpc>
+              <a:defRPr/>
+            </a:pPr>
+            <a:r>
+              <a:rPr lang="en-US" altLang="ko-KR" sz="9000" b="1" kern="0" dirty="0">
+                <a:ln>
+                  <a:solidFill>
+                    <a:schemeClr val="bg1">
+                      <a:lumMod val="65000"/>
+                    </a:schemeClr>
+                  </a:solidFill>
+                </a:ln>
+                <a:solidFill>
+                  <a:srgbClr val="FFCABA"/>
+                </a:solidFill>
+                <a:latin typeface="메이플스토리" panose="02000300000000000000" pitchFamily="2" charset="-127"/>
+                <a:ea typeface="메이플스토리" panose="02000300000000000000" pitchFamily="2" charset="-127"/>
+              </a:rPr>
+              <a:t>Q </a:t>
+            </a:r>
+            <a:r>
+              <a:rPr lang="en-US" altLang="ko-KR" sz="9000" b="1" kern="0" dirty="0">
+                <a:ln>
+                  <a:solidFill>
+                    <a:schemeClr val="bg1">
+                      <a:lumMod val="65000"/>
+                    </a:schemeClr>
+                  </a:solidFill>
+                </a:ln>
+                <a:solidFill>
+                  <a:srgbClr val="70B5CE"/>
+                </a:solidFill>
+                <a:latin typeface="메이플스토리" panose="02000300000000000000" pitchFamily="2" charset="-127"/>
+                <a:ea typeface="메이플스토리" panose="02000300000000000000" pitchFamily="2" charset="-127"/>
+              </a:rPr>
+              <a:t>&amp; </a:t>
+            </a:r>
+            <a:r>
+              <a:rPr lang="en-US" altLang="ko-KR" sz="9000" b="1" kern="0" dirty="0">
+                <a:ln>
+                  <a:solidFill>
+                    <a:schemeClr val="bg1">
+                      <a:lumMod val="65000"/>
+                    </a:schemeClr>
+                  </a:solidFill>
+                </a:ln>
+                <a:solidFill>
+                  <a:srgbClr val="FFCABA"/>
+                </a:solidFill>
+                <a:latin typeface="메이플스토리" panose="02000300000000000000" pitchFamily="2" charset="-127"/>
+                <a:ea typeface="메이플스토리" panose="02000300000000000000" pitchFamily="2" charset="-127"/>
+              </a:rPr>
+              <a:t>A</a:t>
+            </a:r>
+            <a:endParaRPr lang="ko-KR" altLang="en-US" sz="9000" b="1" kern="0" dirty="0">
+              <a:ln>
+                <a:solidFill>
+                  <a:schemeClr val="bg1">
+                    <a:lumMod val="65000"/>
+                  </a:schemeClr>
+                </a:solidFill>
+              </a:ln>
+              <a:solidFill>
+                <a:srgbClr val="FFCABA"/>
+              </a:solidFill>
+              <a:latin typeface="메이플스토리" panose="02000300000000000000" pitchFamily="2" charset="-127"/>
+              <a:ea typeface="메이플스토리" panose="02000300000000000000" pitchFamily="2" charset="-127"/>
+            </a:endParaRPr>
+          </a:p>
+        </p:txBody>
+      </p:sp>
+    </p:spTree>
+    <p:extLst>
+      <p:ext uri="{BB962C8B-B14F-4D97-AF65-F5344CB8AC3E}">
+        <p14:creationId xmlns:p14="http://schemas.microsoft.com/office/powerpoint/2010/main" val="3793832712"/>
+      </p:ext>
+    </p:extLst>
+  </p:cSld>
+  <p:clrMapOvr>
+    <a:masterClrMapping/>
+  </p:clrMapOvr>
+</p:sld>
+</file>
+
+<file path=ppt/slides/slide13.xml><?xml version="1.0" encoding="utf-8"?>
 <p:sld xmlns:a="http://schemas.openxmlformats.org/drawingml/2006/main" xmlns:r="http://schemas.openxmlformats.org/officeDocument/2006/relationships" xmlns:p="http://schemas.openxmlformats.org/presentationml/2006/main">
   <p:cSld>
     <p:bg>
@@ -7136,7 +7813,7 @@
     </p:spTree>
     <p:extLst>
       <p:ext uri="{BB962C8B-B14F-4D97-AF65-F5344CB8AC3E}">
-        <p14:creationId xmlns:p14="http://schemas.microsoft.com/office/powerpoint/2010/main" val="3793832712"/>
+        <p14:creationId xmlns:p14="http://schemas.microsoft.com/office/powerpoint/2010/main" val="649717471"/>
       </p:ext>
     </p:extLst>
   </p:cSld>
